--- a/JDBI.pptx
+++ b/JDBI.pptx
@@ -112,6 +112,11 @@
       </a:defRPr>
     </a:lvl9pPr>
   </p:defaultTextStyle>
+  <p:extLst>
+    <p:ext uri="{EFAFB233-063F-42B5-8137-9DF3F51BA10A}">
+      <p15:sldGuideLst xmlns:p15="http://schemas.microsoft.com/office/powerpoint/2012/main"/>
+    </p:ext>
+  </p:extLst>
 </p:presentation>
 </file>
 
@@ -197,7 +202,7 @@
           <a:p>
             <a:fld id="{49434D0F-DC3A-4096-A348-E68EA3041956}" type="datetimeFigureOut">
               <a:rPr lang="fr-FR" smtClean="0"/>
-              <a:t>13/12/2024</a:t>
+              <a:t>19/12/2024</a:t>
             </a:fld>
             <a:endParaRPr lang="fr-FR"/>
           </a:p>
@@ -1316,7 +1321,7 @@
             <a:fld id="{B61BEF0D-F0BB-DE4B-95CE-6DB70DBA9567}" type="datetimeFigureOut">
               <a:rPr lang="en-US" dirty="0"/>
               <a:pPr/>
-              <a:t>12/13/2024</a:t>
+              <a:t>12/19/2024</a:t>
             </a:fld>
             <a:endParaRPr lang="en-US" dirty="0"/>
           </a:p>
@@ -1564,7 +1569,7 @@
             <a:fld id="{B61BEF0D-F0BB-DE4B-95CE-6DB70DBA9567}" type="datetimeFigureOut">
               <a:rPr lang="en-US" dirty="0"/>
               <a:pPr/>
-              <a:t>12/13/2024</a:t>
+              <a:t>12/19/2024</a:t>
             </a:fld>
             <a:endParaRPr lang="en-US" dirty="0"/>
           </a:p>
@@ -1875,7 +1880,7 @@
             <a:fld id="{B61BEF0D-F0BB-DE4B-95CE-6DB70DBA9567}" type="datetimeFigureOut">
               <a:rPr lang="en-US" dirty="0"/>
               <a:pPr/>
-              <a:t>12/13/2024</a:t>
+              <a:t>12/19/2024</a:t>
             </a:fld>
             <a:endParaRPr lang="en-US" dirty="0"/>
           </a:p>
@@ -2205,7 +2210,7 @@
             <a:fld id="{B61BEF0D-F0BB-DE4B-95CE-6DB70DBA9567}" type="datetimeFigureOut">
               <a:rPr lang="en-US" dirty="0"/>
               <a:pPr/>
-              <a:t>12/13/2024</a:t>
+              <a:t>12/19/2024</a:t>
             </a:fld>
             <a:endParaRPr lang="en-US" dirty="0"/>
           </a:p>
@@ -2516,7 +2521,7 @@
             <a:fld id="{B61BEF0D-F0BB-DE4B-95CE-6DB70DBA9567}" type="datetimeFigureOut">
               <a:rPr lang="en-US" dirty="0"/>
               <a:pPr/>
-              <a:t>12/13/2024</a:t>
+              <a:t>12/19/2024</a:t>
             </a:fld>
             <a:endParaRPr lang="en-US" dirty="0"/>
           </a:p>
@@ -2906,7 +2911,7 @@
             <a:fld id="{B61BEF0D-F0BB-DE4B-95CE-6DB70DBA9567}" type="datetimeFigureOut">
               <a:rPr lang="en-US" dirty="0"/>
               <a:pPr/>
-              <a:t>12/13/2024</a:t>
+              <a:t>12/19/2024</a:t>
             </a:fld>
             <a:endParaRPr lang="en-US" dirty="0"/>
           </a:p>
@@ -3072,7 +3077,7 @@
           <a:p>
             <a:fld id="{55C6B4A9-1611-4792-9094-5F34BCA07E0B}" type="datetimeFigureOut">
               <a:rPr lang="en-US" dirty="0"/>
-              <a:t>12/13/2024</a:t>
+              <a:t>12/19/2024</a:t>
             </a:fld>
             <a:endParaRPr lang="en-US" dirty="0"/>
           </a:p>
@@ -3248,7 +3253,7 @@
             <a:fld id="{B61BEF0D-F0BB-DE4B-95CE-6DB70DBA9567}" type="datetimeFigureOut">
               <a:rPr lang="en-US" dirty="0"/>
               <a:pPr/>
-              <a:t>12/13/2024</a:t>
+              <a:t>12/19/2024</a:t>
             </a:fld>
             <a:endParaRPr lang="en-US" dirty="0"/>
           </a:p>
@@ -3771,7 +3776,7 @@
           <a:p>
             <a:fld id="{42A54C80-263E-416B-A8E0-580EDEADCBDC}" type="datetimeFigureOut">
               <a:rPr lang="en-US" dirty="0"/>
-              <a:t>12/13/2024</a:t>
+              <a:t>12/19/2024</a:t>
             </a:fld>
             <a:endParaRPr lang="en-US" dirty="0"/>
           </a:p>
@@ -4014,7 +4019,7 @@
             <a:fld id="{B61BEF0D-F0BB-DE4B-95CE-6DB70DBA9567}" type="datetimeFigureOut">
               <a:rPr lang="en-US" dirty="0"/>
               <a:pPr/>
-              <a:t>12/13/2024</a:t>
+              <a:t>12/19/2024</a:t>
             </a:fld>
             <a:endParaRPr lang="en-US" dirty="0"/>
           </a:p>
@@ -4242,7 +4247,7 @@
           <a:p>
             <a:fld id="{42A54C80-263E-416B-A8E0-580EDEADCBDC}" type="datetimeFigureOut">
               <a:rPr lang="en-US" dirty="0"/>
-              <a:t>12/13/2024</a:t>
+              <a:t>12/19/2024</a:t>
             </a:fld>
             <a:endParaRPr lang="en-US" dirty="0"/>
           </a:p>
@@ -4612,7 +4617,7 @@
             <a:fld id="{B61BEF0D-F0BB-DE4B-95CE-6DB70DBA9567}" type="datetimeFigureOut">
               <a:rPr lang="en-US" dirty="0"/>
               <a:pPr/>
-              <a:t>12/13/2024</a:t>
+              <a:t>12/19/2024</a:t>
             </a:fld>
             <a:endParaRPr lang="en-US" dirty="0"/>
           </a:p>
@@ -4732,7 +4737,7 @@
             <a:fld id="{B61BEF0D-F0BB-DE4B-95CE-6DB70DBA9567}" type="datetimeFigureOut">
               <a:rPr lang="en-US" dirty="0"/>
               <a:pPr/>
-              <a:t>12/13/2024</a:t>
+              <a:t>12/19/2024</a:t>
             </a:fld>
             <a:endParaRPr lang="en-US" dirty="0"/>
           </a:p>
@@ -4824,7 +4829,7 @@
             <a:fld id="{B61BEF0D-F0BB-DE4B-95CE-6DB70DBA9567}" type="datetimeFigureOut">
               <a:rPr lang="en-US" dirty="0"/>
               <a:pPr/>
-              <a:t>12/13/2024</a:t>
+              <a:t>12/19/2024</a:t>
             </a:fld>
             <a:endParaRPr lang="en-US" dirty="0"/>
           </a:p>
@@ -5075,7 +5080,7 @@
           <a:p>
             <a:fld id="{42A54C80-263E-416B-A8E0-580EDEADCBDC}" type="datetimeFigureOut">
               <a:rPr lang="en-US" dirty="0"/>
-              <a:t>12/13/2024</a:t>
+              <a:t>12/19/2024</a:t>
             </a:fld>
             <a:endParaRPr lang="en-US" dirty="0"/>
           </a:p>
@@ -5377,7 +5382,7 @@
             <a:fld id="{B61BEF0D-F0BB-DE4B-95CE-6DB70DBA9567}" type="datetimeFigureOut">
               <a:rPr lang="en-US" dirty="0"/>
               <a:pPr/>
-              <a:t>12/13/2024</a:t>
+              <a:t>12/19/2024</a:t>
             </a:fld>
             <a:endParaRPr lang="en-US" dirty="0"/>
           </a:p>
@@ -6075,7 +6080,7 @@
             <a:fld id="{B61BEF0D-F0BB-DE4B-95CE-6DB70DBA9567}" type="datetimeFigureOut">
               <a:rPr lang="en-US" dirty="0"/>
               <a:pPr/>
-              <a:t>12/13/2024</a:t>
+              <a:t>12/19/2024</a:t>
             </a:fld>
             <a:endParaRPr lang="en-US" dirty="0"/>
           </a:p>
@@ -6697,7 +6702,7 @@
         </p:nvSpPr>
         <p:spPr>
           <a:xfrm>
-            <a:off x="6199310" y="1792690"/>
+            <a:off x="1032335" y="1804390"/>
             <a:ext cx="4856011" cy="285563"/>
           </a:xfrm>
         </p:spPr>
@@ -6743,7 +6748,7 @@
         </p:nvSpPr>
         <p:spPr>
           <a:xfrm>
-            <a:off x="6199310" y="2389942"/>
+            <a:off x="1032335" y="2426000"/>
             <a:ext cx="4836862" cy="3225691"/>
           </a:xfrm>
         </p:spPr>
@@ -6888,127 +6893,6 @@
                 </a:solidFill>
               </a:rPr>
               <a:t> Practice Java</a:t>
-            </a:r>
-          </a:p>
-        </p:txBody>
-      </p:sp>
-      <p:sp>
-        <p:nvSpPr>
-          <p:cNvPr id="22" name="Espace réservé du texte 21">
-            <a:extLst>
-              <a:ext uri="{FF2B5EF4-FFF2-40B4-BE49-F238E27FC236}">
-                <a16:creationId xmlns:a16="http://schemas.microsoft.com/office/drawing/2014/main" id="{A3F77BC4-93B0-4C00-2A03-E564D1913595}"/>
-              </a:ext>
-            </a:extLst>
-          </p:cNvPr>
-          <p:cNvSpPr>
-            <a:spLocks noGrp="1"/>
-          </p:cNvSpPr>
-          <p:nvPr>
-            <p:ph type="body" sz="quarter" idx="4294967295"/>
-          </p:nvPr>
-        </p:nvSpPr>
-        <p:spPr>
-          <a:xfrm>
-            <a:off x="1118985" y="1758441"/>
-            <a:ext cx="4836862" cy="319812"/>
-          </a:xfrm>
-        </p:spPr>
-        <p:txBody>
-          <a:bodyPr>
-            <a:noAutofit/>
-          </a:bodyPr>
-          <a:lstStyle/>
-          <a:p>
-            <a:pPr>
-              <a:lnSpc>
-                <a:spcPct val="90000"/>
-              </a:lnSpc>
-            </a:pPr>
-            <a:r>
-              <a:rPr lang="fr-FR" dirty="0">
-                <a:solidFill>
-                  <a:schemeClr val="tx1"/>
-                </a:solidFill>
-              </a:rPr>
-              <a:t>Alban CLEVY</a:t>
-            </a:r>
-          </a:p>
-        </p:txBody>
-      </p:sp>
-      <p:sp>
-        <p:nvSpPr>
-          <p:cNvPr id="24" name="Espace réservé du texte 23">
-            <a:extLst>
-              <a:ext uri="{FF2B5EF4-FFF2-40B4-BE49-F238E27FC236}">
-                <a16:creationId xmlns:a16="http://schemas.microsoft.com/office/drawing/2014/main" id="{09A82A41-3F5C-91B5-2375-B55F04C7A692}"/>
-              </a:ext>
-            </a:extLst>
-          </p:cNvPr>
-          <p:cNvSpPr>
-            <a:spLocks noGrp="1"/>
-          </p:cNvSpPr>
-          <p:nvPr>
-            <p:ph type="body" sz="quarter" idx="21"/>
-          </p:nvPr>
-        </p:nvSpPr>
-        <p:spPr>
-          <a:xfrm>
-            <a:off x="1023516" y="2427071"/>
-            <a:ext cx="4836862" cy="3236320"/>
-          </a:xfrm>
-        </p:spPr>
-        <p:txBody>
-          <a:bodyPr lIns="91440" tIns="45720" rIns="91440" bIns="45720" anchor="t">
-            <a:normAutofit/>
-          </a:bodyPr>
-          <a:lstStyle/>
-          <a:p>
-            <a:pPr>
-              <a:lnSpc>
-                <a:spcPct val="90000"/>
-              </a:lnSpc>
-            </a:pPr>
-            <a:r>
-              <a:rPr lang="fr-FR" sz="1800" dirty="0">
-                <a:solidFill>
-                  <a:schemeClr val="tx1"/>
-                </a:solidFill>
-                <a:latin typeface="+mn-lt"/>
-                <a:ea typeface="+mn-ea"/>
-                <a:cs typeface="+mn-cs"/>
-              </a:rPr>
-              <a:t>17 années d’expérience professionnelle dans l’informatique (Tech Lead / Architecte / Développeur / Responsable d’équipe / Chef de projet …)</a:t>
-            </a:r>
-          </a:p>
-          <a:p>
-            <a:pPr marL="342900" lvl="1" indent="-342900">
-              <a:lnSpc>
-                <a:spcPct val="90000"/>
-              </a:lnSpc>
-            </a:pPr>
-            <a:r>
-              <a:rPr lang="fr-FR" sz="1800" dirty="0">
-                <a:solidFill>
-                  <a:schemeClr val="tx1"/>
-                </a:solidFill>
-              </a:rPr>
-              <a:t>3 ans Société Général en tant que responsable d’équipe</a:t>
-            </a:r>
-          </a:p>
-          <a:p>
-            <a:pPr marL="342900" lvl="1" indent="-342900">
-              <a:lnSpc>
-                <a:spcPct val="90000"/>
-              </a:lnSpc>
-            </a:pPr>
-            <a:r>
-              <a:rPr lang="fr-FR" sz="1800" dirty="0">
-                <a:solidFill>
-                  <a:schemeClr val="tx1"/>
-                </a:solidFill>
-              </a:rPr>
-              <a:t>13 ans au sein d’ESN</a:t>
             </a:r>
           </a:p>
         </p:txBody>
@@ -7480,7 +7364,7 @@
                 </a:solidFill>
                 <a:latin typeface="Akzidenz-Grotesk Std Bold"/>
               </a:rPr>
-              <a:t>Qui sommes-nous ?</a:t>
+              <a:t>Qui suis-je ?</a:t>
             </a:r>
           </a:p>
         </p:txBody>
